--- a/화면구성/to최원석부장님/6. 2월 17일_에너지소비현황/에너지소비현황_0217.pptx
+++ b/화면구성/to최원석부장님/6. 2월 17일_에너지소비현황/에너지소비현황_0217.pptx
@@ -221,7 +221,7 @@
           <a:p>
             <a:fld id="{C2B9CFB0-BCA9-4570-BBC6-9C2684F7EA69}" type="datetimeFigureOut">
               <a:rPr lang="ko-KR" altLang="en-US" smtClean="0"/>
-              <a:t>2025-02-17</a:t>
+              <a:t>2025-02-25</a:t>
             </a:fld>
             <a:endParaRPr lang="ko-KR" altLang="en-US"/>
           </a:p>
@@ -386,7 +386,7 @@
           <a:p>
             <a:fld id="{BE23F86A-8152-4198-942A-719B9DB78762}" type="datetimeFigureOut">
               <a:rPr lang="ko-KR" altLang="en-US" smtClean="0"/>
-              <a:t>2025-02-17</a:t>
+              <a:t>2025-02-25</a:t>
             </a:fld>
             <a:endParaRPr lang="ko-KR" altLang="en-US"/>
           </a:p>
